--- a/paper/Minor Project Synopsis_New.pptx
+++ b/paper/Minor Project Synopsis_New.pptx
@@ -364,7 +364,7 @@
           <a:p>
             <a:fld id="{6EE7A52F-9D89-7442-A8E9-48D1527B5F6B}" type="datetimeFigureOut">
               <a:rPr lang="en-US" smtClean="0"/>
-              <a:t>12/22/2022</a:t>
+              <a:t>12/26/2022</a:t>
             </a:fld>
             <a:endParaRPr lang="en-US" dirty="0"/>
           </a:p>
@@ -14375,7 +14375,7 @@
         <p:spPr>
           <a:xfrm>
             <a:off x="5994400" y="2809167"/>
-            <a:ext cx="4893736" cy="1815882"/>
+            <a:ext cx="4893736" cy="2308324"/>
           </a:xfrm>
           <a:prstGeom prst="rect">
             <a:avLst/>
@@ -14499,6 +14499,55 @@
                 <a:cs typeface="Times New Roman" panose="02020603050405020304" pitchFamily="18" charset="0"/>
               </a:rPr>
               <a:t> Random Forest Classifier</a:t>
+            </a:r>
+          </a:p>
+          <a:p>
+            <a:pPr marL="285750" indent="-285750">
+              <a:buFont typeface="Arial" panose="020B0604020202020204" pitchFamily="34" charset="0"/>
+              <a:buChar char="•"/>
+            </a:pPr>
+            <a:endParaRPr lang="en-IN" sz="1600" dirty="0">
+              <a:solidFill>
+                <a:schemeClr val="tx2"/>
+              </a:solidFill>
+              <a:latin typeface="Times New Roman" panose="02020603050405020304" pitchFamily="18" charset="0"/>
+              <a:cs typeface="Times New Roman" panose="02020603050405020304" pitchFamily="18" charset="0"/>
+            </a:endParaRPr>
+          </a:p>
+          <a:p>
+            <a:pPr marL="285750" indent="-285750">
+              <a:buFont typeface="Arial" panose="020B0604020202020204" pitchFamily="34" charset="0"/>
+              <a:buChar char="•"/>
+            </a:pPr>
+            <a:r>
+              <a:rPr lang="en-IN" sz="1600" dirty="0">
+                <a:solidFill>
+                  <a:schemeClr val="tx2"/>
+                </a:solidFill>
+                <a:latin typeface="Times New Roman" panose="02020603050405020304" pitchFamily="18" charset="0"/>
+                <a:cs typeface="Times New Roman" panose="02020603050405020304" pitchFamily="18" charset="0"/>
+              </a:rPr>
+              <a:t>Bayesian Optimization (</a:t>
+            </a:r>
+            <a:r>
+              <a:rPr lang="en-IN" sz="1600" dirty="0" err="1">
+                <a:solidFill>
+                  <a:schemeClr val="tx2"/>
+                </a:solidFill>
+                <a:latin typeface="Times New Roman" panose="02020603050405020304" pitchFamily="18" charset="0"/>
+                <a:cs typeface="Times New Roman" panose="02020603050405020304" pitchFamily="18" charset="0"/>
+              </a:rPr>
+              <a:t>bayes_opt</a:t>
+            </a:r>
+            <a:r>
+              <a:rPr lang="en-IN" sz="1600" dirty="0">
+                <a:solidFill>
+                  <a:schemeClr val="tx2"/>
+                </a:solidFill>
+                <a:latin typeface="Times New Roman" panose="02020603050405020304" pitchFamily="18" charset="0"/>
+                <a:cs typeface="Times New Roman" panose="02020603050405020304" pitchFamily="18" charset="0"/>
+              </a:rPr>
+              <a:t>)</a:t>
             </a:r>
           </a:p>
           <a:p>
@@ -15130,14 +15179,14 @@
           <p:nvPr>
             <p:extLst>
               <p:ext uri="{D42A27DB-BD31-4B8C-83A1-F6EECF244321}">
-                <p14:modId xmlns:p14="http://schemas.microsoft.com/office/powerpoint/2010/main" val="3734630634"/>
+                <p14:modId xmlns:p14="http://schemas.microsoft.com/office/powerpoint/2010/main" val="2422561186"/>
               </p:ext>
             </p:extLst>
           </p:nvPr>
         </p:nvGraphicFramePr>
         <p:xfrm>
-          <a:off x="971550" y="2209799"/>
-          <a:ext cx="9896475" cy="4010025"/>
+          <a:off x="969540" y="2145037"/>
+          <a:ext cx="10252920" cy="4093239"/>
         </p:xfrm>
         <a:graphic>
           <a:graphicData uri="http://schemas.openxmlformats.org/drawingml/2006/table">
@@ -15146,42 +15195,42 @@
                 <a:tableStyleId>{5C22544A-7EE6-4342-B048-85BDC9FD1C3A}</a:tableStyleId>
               </a:tblPr>
               <a:tblGrid>
-                <a:gridCol w="2730726">
+                <a:gridCol w="1969746">
                   <a:extLst>
                     <a:ext uri="{9D8B030D-6E8A-4147-A177-3AD203B41FA5}">
                       <a16:colId xmlns:a16="http://schemas.microsoft.com/office/drawing/2014/main" val="3536946260"/>
                     </a:ext>
                   </a:extLst>
                 </a:gridCol>
-                <a:gridCol w="2119733">
+                <a:gridCol w="3627285">
                   <a:extLst>
                     <a:ext uri="{9D8B030D-6E8A-4147-A177-3AD203B41FA5}">
                       <a16:colId xmlns:a16="http://schemas.microsoft.com/office/drawing/2014/main" val="3582338871"/>
                     </a:ext>
                   </a:extLst>
                 </a:gridCol>
-                <a:gridCol w="1033521">
+                <a:gridCol w="1174459">
                   <a:extLst>
                     <a:ext uri="{9D8B030D-6E8A-4147-A177-3AD203B41FA5}">
                       <a16:colId xmlns:a16="http://schemas.microsoft.com/office/drawing/2014/main" val="867173610"/>
                     </a:ext>
                   </a:extLst>
                 </a:gridCol>
-                <a:gridCol w="1094317">
+                <a:gridCol w="1006678">
                   <a:extLst>
                     <a:ext uri="{9D8B030D-6E8A-4147-A177-3AD203B41FA5}">
                       <a16:colId xmlns:a16="http://schemas.microsoft.com/office/drawing/2014/main" val="487270006"/>
                     </a:ext>
                   </a:extLst>
                 </a:gridCol>
-                <a:gridCol w="1003124">
+                <a:gridCol w="1115736">
                   <a:extLst>
                     <a:ext uri="{9D8B030D-6E8A-4147-A177-3AD203B41FA5}">
                       <a16:colId xmlns:a16="http://schemas.microsoft.com/office/drawing/2014/main" val="3119828105"/>
                     </a:ext>
                   </a:extLst>
                 </a:gridCol>
-                <a:gridCol w="1915054">
+                <a:gridCol w="1359016">
                   <a:extLst>
                     <a:ext uri="{9D8B030D-6E8A-4147-A177-3AD203B41FA5}">
                       <a16:colId xmlns:a16="http://schemas.microsoft.com/office/drawing/2014/main" val="2191103727"/>
@@ -15285,7 +15334,7 @@
                         </a:spcAft>
                       </a:pPr>
                       <a:r>
-                        <a:rPr lang="en-US" sz="1200">
+                        <a:rPr lang="en-US" sz="1200" dirty="0">
                           <a:solidFill>
                             <a:schemeClr val="accent5"/>
                           </a:solidFill>
@@ -15294,7 +15343,7 @@
                         </a:rPr>
                         <a:t>Avg Accuracy</a:t>
                       </a:r>
-                      <a:endParaRPr lang="en-IN" sz="1200">
+                      <a:endParaRPr lang="en-IN" sz="1200" dirty="0">
                         <a:solidFill>
                           <a:schemeClr val="accent5"/>
                         </a:solidFill>
@@ -15324,7 +15373,7 @@
                         </a:spcAft>
                       </a:pPr>
                       <a:r>
-                        <a:rPr lang="en-US" sz="1200">
+                        <a:rPr lang="en-US" sz="1200" dirty="0">
                           <a:solidFill>
                             <a:schemeClr val="accent5"/>
                           </a:solidFill>
@@ -15333,7 +15382,7 @@
                         </a:rPr>
                         <a:t>Avg Time Taken (s)</a:t>
                       </a:r>
-                      <a:endParaRPr lang="en-IN" sz="1200">
+                      <a:endParaRPr lang="en-IN" sz="1200" dirty="0">
                         <a:solidFill>
                           <a:schemeClr val="accent5"/>
                         </a:solidFill>
@@ -15475,165 +15524,89 @@
                     <a:bodyPr/>
                     <a:lstStyle/>
                     <a:p>
-                      <a:pPr algn="ctr">
-                        <a:lnSpc>
-                          <a:spcPct val="115000"/>
-                        </a:lnSpc>
-                        <a:spcBef>
-                          <a:spcPts val="600"/>
-                        </a:spcBef>
-                        <a:spcAft>
-                          <a:spcPts val="600"/>
-                        </a:spcAft>
-                      </a:pPr>
+                      <a:pPr algn="l"/>
                       <a:r>
-                        <a:rPr lang="en-US" sz="1100">
+                        <a:rPr lang="da-DK" sz="1100" dirty="0">
                           <a:effectLst/>
                           <a:latin typeface="Merriweather" panose="00000500000000000000" pitchFamily="2" charset="0"/>
                         </a:rPr>
-                        <a:t>BAT</a:t>
+                        <a:t>['BAT-0042', 'BAT-0034', 'BAT-0008', 'BAT-0029', 'BAT-0011', 'BAT-0017', 'BAT-0003', 'BAT-0040', 'BAT-0016', 'BAT-0020']</a:t>
                       </a:r>
-                      <a:endParaRPr lang="en-IN" sz="1200">
-                        <a:effectLst/>
-                        <a:latin typeface="Merriweather" panose="00000500000000000000" pitchFamily="2" charset="0"/>
-                        <a:ea typeface="Calibri" panose="020F0502020204030204" pitchFamily="34" charset="0"/>
-                        <a:cs typeface="Times New Roman" panose="02020603050405020304" pitchFamily="18" charset="0"/>
-                      </a:endParaRPr>
                     </a:p>
                   </a:txBody>
-                  <a:tcPr marL="68580" marR="68580" marT="0" marB="0" anchor="ctr"/>
+                  <a:tcPr marL="47625" marR="47625" marT="47625" marB="47625" anchor="ctr"/>
                 </a:tc>
                 <a:tc>
                   <a:txBody>
                     <a:bodyPr/>
                     <a:lstStyle/>
                     <a:p>
-                      <a:pPr algn="ctr">
-                        <a:lnSpc>
-                          <a:spcPct val="115000"/>
-                        </a:lnSpc>
-                        <a:spcBef>
-                          <a:spcPts val="600"/>
-                        </a:spcBef>
-                        <a:spcAft>
-                          <a:spcPts val="600"/>
-                        </a:spcAft>
-                      </a:pPr>
+                      <a:pPr algn="ctr"/>
                       <a:r>
-                        <a:rPr lang="en-US" sz="1100">
+                        <a:rPr lang="en-IN" sz="1100">
                           <a:effectLst/>
                           <a:latin typeface="Merriweather" panose="00000500000000000000" pitchFamily="2" charset="0"/>
                         </a:rPr>
-                        <a:t>89.89</a:t>
+                        <a:t>93.13047</a:t>
                       </a:r>
-                      <a:endParaRPr lang="en-IN" sz="1200">
+                      <a:endParaRPr lang="en-IN" sz="1100" dirty="0">
                         <a:effectLst/>
                         <a:latin typeface="Merriweather" panose="00000500000000000000" pitchFamily="2" charset="0"/>
-                        <a:ea typeface="Calibri" panose="020F0502020204030204" pitchFamily="34" charset="0"/>
-                        <a:cs typeface="Times New Roman" panose="02020603050405020304" pitchFamily="18" charset="0"/>
                       </a:endParaRPr>
                     </a:p>
                   </a:txBody>
-                  <a:tcPr marL="68580" marR="68580" marT="0" marB="0" anchor="ctr"/>
+                  <a:tcPr marL="47625" marR="47625" marT="47625" marB="47625" anchor="ctr"/>
                 </a:tc>
                 <a:tc>
                   <a:txBody>
                     <a:bodyPr/>
                     <a:lstStyle/>
                     <a:p>
-                      <a:pPr algn="ctr">
-                        <a:lnSpc>
-                          <a:spcPct val="115000"/>
-                        </a:lnSpc>
-                        <a:spcBef>
-                          <a:spcPts val="600"/>
-                        </a:spcBef>
-                        <a:spcAft>
-                          <a:spcPts val="600"/>
-                        </a:spcAft>
-                      </a:pPr>
+                      <a:pPr algn="ctr"/>
                       <a:r>
-                        <a:rPr lang="en-US" sz="1100">
+                        <a:rPr lang="en-IN" sz="1100" dirty="0">
                           <a:effectLst/>
                           <a:latin typeface="Merriweather" panose="00000500000000000000" pitchFamily="2" charset="0"/>
                         </a:rPr>
-                        <a:t>108.9</a:t>
+                        <a:t>239.0</a:t>
                       </a:r>
-                      <a:endParaRPr lang="en-IN" sz="1200">
-                        <a:effectLst/>
-                        <a:latin typeface="Merriweather" panose="00000500000000000000" pitchFamily="2" charset="0"/>
-                        <a:ea typeface="Calibri" panose="020F0502020204030204" pitchFamily="34" charset="0"/>
-                        <a:cs typeface="Times New Roman" panose="02020603050405020304" pitchFamily="18" charset="0"/>
-                      </a:endParaRPr>
                     </a:p>
                   </a:txBody>
-                  <a:tcPr marL="68580" marR="68580" marT="0" marB="0" anchor="ctr"/>
+                  <a:tcPr marL="47625" marR="47625" marT="47625" marB="47625" anchor="ctr"/>
                 </a:tc>
                 <a:tc>
                   <a:txBody>
                     <a:bodyPr/>
                     <a:lstStyle/>
                     <a:p>
-                      <a:pPr algn="ctr">
-                        <a:lnSpc>
-                          <a:spcPct val="115000"/>
-                        </a:lnSpc>
-                        <a:spcBef>
-                          <a:spcPts val="600"/>
-                        </a:spcBef>
-                        <a:spcAft>
-                          <a:spcPts val="600"/>
-                        </a:spcAft>
-                      </a:pPr>
+                      <a:pPr algn="ctr"/>
                       <a:r>
-                        <a:rPr lang="en-US" sz="1100">
+                        <a:rPr lang="en-IN" sz="1100" dirty="0">
                           <a:effectLst/>
                           <a:latin typeface="Merriweather" panose="00000500000000000000" pitchFamily="2" charset="0"/>
                         </a:rPr>
-                        <a:t>367.99</a:t>
+                        <a:t>792.46</a:t>
                       </a:r>
-                      <a:endParaRPr lang="en-IN" sz="1200">
-                        <a:effectLst/>
-                        <a:latin typeface="Merriweather" panose="00000500000000000000" pitchFamily="2" charset="0"/>
-                        <a:ea typeface="Calibri" panose="020F0502020204030204" pitchFamily="34" charset="0"/>
-                        <a:cs typeface="Times New Roman" panose="02020603050405020304" pitchFamily="18" charset="0"/>
-                      </a:endParaRPr>
                     </a:p>
                   </a:txBody>
-                  <a:tcPr marL="68580" marR="68580" marT="0" marB="0" anchor="ctr"/>
+                  <a:tcPr marL="47625" marR="47625" marT="47625" marB="47625" anchor="ctr"/>
                 </a:tc>
                 <a:tc>
                   <a:txBody>
                     <a:bodyPr/>
                     <a:lstStyle/>
                     <a:p>
-                      <a:pPr algn="ctr">
-                        <a:lnSpc>
-                          <a:spcPct val="115000"/>
-                        </a:lnSpc>
-                        <a:spcBef>
-                          <a:spcPts val="600"/>
-                        </a:spcBef>
-                        <a:spcAft>
-                          <a:spcPts val="600"/>
-                        </a:spcAft>
-                      </a:pPr>
+                      <a:pPr algn="ctr"/>
                       <a:r>
-                        <a:rPr lang="en-US" sz="1100" dirty="0">
+                        <a:rPr lang="en-IN" sz="1100" dirty="0">
                           <a:effectLst/>
                           <a:latin typeface="Merriweather" panose="00000500000000000000" pitchFamily="2" charset="0"/>
                         </a:rPr>
-                        <a:t>86.88653</a:t>
+                        <a:t>187.1086</a:t>
                       </a:r>
-                      <a:endParaRPr lang="en-IN" sz="1200" dirty="0">
-                        <a:effectLst/>
-                        <a:latin typeface="Merriweather" panose="00000500000000000000" pitchFamily="2" charset="0"/>
-                        <a:ea typeface="Calibri" panose="020F0502020204030204" pitchFamily="34" charset="0"/>
-                        <a:cs typeface="Times New Roman" panose="02020603050405020304" pitchFamily="18" charset="0"/>
-                      </a:endParaRPr>
                     </a:p>
                   </a:txBody>
-                  <a:tcPr marL="68580" marR="68580" marT="0" marB="0" anchor="ctr"/>
+                  <a:tcPr marL="47625" marR="47625" marT="47625" marB="47625" anchor="ctr"/>
                 </a:tc>
                 <a:extLst>
                   <a:ext uri="{0D108BD9-81ED-4DB2-BD59-A6C34878D82A}">
@@ -15686,165 +15659,91 @@
                     <a:bodyPr/>
                     <a:lstStyle/>
                     <a:p>
-                      <a:pPr algn="ctr">
-                        <a:lnSpc>
-                          <a:spcPct val="115000"/>
-                        </a:lnSpc>
-                        <a:spcBef>
-                          <a:spcPts val="600"/>
-                        </a:spcBef>
-                        <a:spcAft>
-                          <a:spcPts val="600"/>
-                        </a:spcAft>
-                      </a:pPr>
+                      <a:pPr algn="l"/>
                       <a:r>
-                        <a:rPr lang="en-US" sz="1100">
+                        <a:rPr lang="pt-BR" sz="1100" dirty="0">
                           <a:effectLst/>
                           <a:latin typeface="Merriweather" panose="00000500000000000000" pitchFamily="2" charset="0"/>
                         </a:rPr>
-                        <a:t>CAM</a:t>
+                        <a:t>['CAM-0000', 'CAM-0049', 'CAM-0024', 'CAM-0003', 'CAM-0026', 'CAM-0008', 'CAM-0041', 'CAM-0033', 'CAM-0025', 'CAM-0006']</a:t>
                       </a:r>
-                      <a:endParaRPr lang="en-IN" sz="1200">
-                        <a:effectLst/>
-                        <a:latin typeface="Merriweather" panose="00000500000000000000" pitchFamily="2" charset="0"/>
-                        <a:ea typeface="Calibri" panose="020F0502020204030204" pitchFamily="34" charset="0"/>
-                        <a:cs typeface="Times New Roman" panose="02020603050405020304" pitchFamily="18" charset="0"/>
-                      </a:endParaRPr>
                     </a:p>
                   </a:txBody>
-                  <a:tcPr marL="68580" marR="68580" marT="0" marB="0" anchor="ctr"/>
+                  <a:tcPr marL="47625" marR="47625" marT="47625" marB="47625" anchor="ctr"/>
                 </a:tc>
                 <a:tc>
                   <a:txBody>
                     <a:bodyPr/>
                     <a:lstStyle/>
                     <a:p>
-                      <a:pPr algn="ctr">
-                        <a:lnSpc>
-                          <a:spcPct val="115000"/>
-                        </a:lnSpc>
-                        <a:spcBef>
-                          <a:spcPts val="600"/>
-                        </a:spcBef>
-                        <a:spcAft>
-                          <a:spcPts val="600"/>
-                        </a:spcAft>
-                      </a:pPr>
-                      <a:r>
-                        <a:rPr lang="en-US" sz="1100">
+                      <a:pPr algn="ctr"/>
+                      <a:br>
+                        <a:rPr lang="en-IN" sz="1100" dirty="0">
                           <a:effectLst/>
                           <a:latin typeface="Merriweather" panose="00000500000000000000" pitchFamily="2" charset="0"/>
                         </a:rPr>
-                        <a:t>89.875</a:t>
+                      </a:br>
+                      <a:r>
+                        <a:rPr lang="en-IN" sz="1100" dirty="0">
+                          <a:effectLst/>
+                          <a:latin typeface="Merriweather" panose="00000500000000000000" pitchFamily="2" charset="0"/>
+                        </a:rPr>
+                        <a:t>93.12125</a:t>
                       </a:r>
-                      <a:endParaRPr lang="en-IN" sz="1200">
-                        <a:effectLst/>
-                        <a:latin typeface="Merriweather" panose="00000500000000000000" pitchFamily="2" charset="0"/>
-                        <a:ea typeface="Calibri" panose="020F0502020204030204" pitchFamily="34" charset="0"/>
-                        <a:cs typeface="Times New Roman" panose="02020603050405020304" pitchFamily="18" charset="0"/>
-                      </a:endParaRPr>
                     </a:p>
                   </a:txBody>
-                  <a:tcPr marL="68580" marR="68580" marT="0" marB="0" anchor="ctr"/>
+                  <a:tcPr marL="47625" marR="47625" marT="47625" marB="47625" anchor="ctr"/>
                 </a:tc>
                 <a:tc>
                   <a:txBody>
                     <a:bodyPr/>
                     <a:lstStyle/>
                     <a:p>
-                      <a:pPr algn="ctr">
-                        <a:lnSpc>
-                          <a:spcPct val="115000"/>
-                        </a:lnSpc>
-                        <a:spcBef>
-                          <a:spcPts val="600"/>
-                        </a:spcBef>
-                        <a:spcAft>
-                          <a:spcPts val="600"/>
-                        </a:spcAft>
-                      </a:pPr>
+                      <a:pPr algn="ctr"/>
                       <a:r>
-                        <a:rPr lang="en-US" sz="1100">
+                        <a:rPr lang="en-IN" sz="1100" dirty="0">
                           <a:effectLst/>
                           <a:latin typeface="Merriweather" panose="00000500000000000000" pitchFamily="2" charset="0"/>
                         </a:rPr>
-                        <a:t>139.8</a:t>
+                        <a:t>242.5</a:t>
                       </a:r>
-                      <a:endParaRPr lang="en-IN" sz="1200">
-                        <a:effectLst/>
-                        <a:latin typeface="Merriweather" panose="00000500000000000000" pitchFamily="2" charset="0"/>
-                        <a:ea typeface="Calibri" panose="020F0502020204030204" pitchFamily="34" charset="0"/>
-                        <a:cs typeface="Times New Roman" panose="02020603050405020304" pitchFamily="18" charset="0"/>
-                      </a:endParaRPr>
                     </a:p>
                   </a:txBody>
-                  <a:tcPr marL="68580" marR="68580" marT="0" marB="0" anchor="ctr"/>
+                  <a:tcPr marL="47625" marR="47625" marT="47625" marB="47625" anchor="ctr"/>
                 </a:tc>
                 <a:tc>
                   <a:txBody>
                     <a:bodyPr/>
                     <a:lstStyle/>
                     <a:p>
-                      <a:pPr algn="ctr">
-                        <a:lnSpc>
-                          <a:spcPct val="115000"/>
-                        </a:lnSpc>
-                        <a:spcBef>
-                          <a:spcPts val="600"/>
-                        </a:spcBef>
-                        <a:spcAft>
-                          <a:spcPts val="600"/>
-                        </a:spcAft>
-                      </a:pPr>
+                      <a:pPr algn="ctr"/>
                       <a:r>
-                        <a:rPr lang="en-US" sz="1100">
+                        <a:rPr lang="en-IN" sz="1100" dirty="0">
                           <a:effectLst/>
                           <a:latin typeface="Merriweather" panose="00000500000000000000" pitchFamily="2" charset="0"/>
                         </a:rPr>
-                        <a:t>472.47</a:t>
+                        <a:t>779.44</a:t>
                       </a:r>
-                      <a:endParaRPr lang="en-IN" sz="1200">
-                        <a:effectLst/>
-                        <a:latin typeface="Merriweather" panose="00000500000000000000" pitchFamily="2" charset="0"/>
-                        <a:ea typeface="Calibri" panose="020F0502020204030204" pitchFamily="34" charset="0"/>
-                        <a:cs typeface="Times New Roman" panose="02020603050405020304" pitchFamily="18" charset="0"/>
-                      </a:endParaRPr>
                     </a:p>
                   </a:txBody>
-                  <a:tcPr marL="68580" marR="68580" marT="0" marB="0" anchor="ctr"/>
+                  <a:tcPr marL="47625" marR="47625" marT="47625" marB="47625" anchor="ctr"/>
                 </a:tc>
                 <a:tc>
                   <a:txBody>
                     <a:bodyPr/>
                     <a:lstStyle/>
                     <a:p>
-                      <a:pPr algn="ctr">
-                        <a:lnSpc>
-                          <a:spcPct val="115000"/>
-                        </a:lnSpc>
-                        <a:spcBef>
-                          <a:spcPts val="600"/>
-                        </a:spcBef>
-                        <a:spcAft>
-                          <a:spcPts val="600"/>
-                        </a:spcAft>
-                      </a:pPr>
+                      <a:pPr algn="ctr"/>
                       <a:r>
-                        <a:rPr lang="en-US" sz="1100" dirty="0">
+                        <a:rPr lang="en-IN" sz="1100" dirty="0">
                           <a:effectLst/>
                           <a:latin typeface="Merriweather" panose="00000500000000000000" pitchFamily="2" charset="0"/>
                         </a:rPr>
-                        <a:t>111.5554</a:t>
+                        <a:t>184.0344</a:t>
                       </a:r>
-                      <a:endParaRPr lang="en-IN" sz="1200" dirty="0">
-                        <a:effectLst/>
-                        <a:latin typeface="Merriweather" panose="00000500000000000000" pitchFamily="2" charset="0"/>
-                        <a:ea typeface="Calibri" panose="020F0502020204030204" pitchFamily="34" charset="0"/>
-                        <a:cs typeface="Times New Roman" panose="02020603050405020304" pitchFamily="18" charset="0"/>
-                      </a:endParaRPr>
                     </a:p>
                   </a:txBody>
-                  <a:tcPr marL="68580" marR="68580" marT="0" marB="0" anchor="ctr"/>
+                  <a:tcPr marL="47625" marR="47625" marT="47625" marB="47625" anchor="ctr"/>
                 </a:tc>
                 <a:extLst>
                   <a:ext uri="{0D108BD9-81ED-4DB2-BD59-A6C34878D82A}">
@@ -15897,7 +15796,7 @@
                     <a:bodyPr/>
                     <a:lstStyle/>
                     <a:p>
-                      <a:pPr algn="ctr">
+                      <a:pPr algn="l">
                         <a:lnSpc>
                           <a:spcPct val="115000"/>
                         </a:lnSpc>
@@ -15909,13 +15808,18 @@
                         </a:spcAft>
                       </a:pPr>
                       <a:r>
-                        <a:rPr lang="en-US" sz="1100">
+                        <a:rPr lang="en-IN" sz="1100" b="0" i="0" kern="1200" dirty="0">
+                          <a:solidFill>
+                            <a:schemeClr val="dk1"/>
+                          </a:solidFill>
                           <a:effectLst/>
                           <a:latin typeface="Merriweather" panose="00000500000000000000" pitchFamily="2" charset="0"/>
+                          <a:ea typeface="+mn-ea"/>
+                          <a:cs typeface="+mn-cs"/>
                         </a:rPr>
-                        <a:t>CUC</a:t>
+                        <a:t>['CUC-0009', 'CUC-0031', 'CUC-0010', 'CUC-0042', 'CUC-0035', 'CUC-0040', 'CUC-0041', 'CUC-0039', 'CUC-0046', 'CUC-0048']</a:t>
                       </a:r>
-                      <a:endParaRPr lang="en-IN" sz="1200">
+                      <a:endParaRPr lang="en-IN" sz="1100" dirty="0">
                         <a:effectLst/>
                         <a:latin typeface="Merriweather" panose="00000500000000000000" pitchFamily="2" charset="0"/>
                         <a:ea typeface="Calibri" panose="020F0502020204030204" pitchFamily="34" charset="0"/>
@@ -15930,132 +15834,68 @@
                     <a:bodyPr/>
                     <a:lstStyle/>
                     <a:p>
-                      <a:pPr algn="ctr">
-                        <a:lnSpc>
-                          <a:spcPct val="115000"/>
-                        </a:lnSpc>
-                        <a:spcBef>
-                          <a:spcPts val="600"/>
-                        </a:spcBef>
-                        <a:spcAft>
-                          <a:spcPts val="600"/>
-                        </a:spcAft>
-                      </a:pPr>
+                      <a:pPr algn="ctr"/>
                       <a:r>
-                        <a:rPr lang="en-US" sz="1100">
+                        <a:rPr lang="en-IN" sz="1100" dirty="0">
                           <a:effectLst/>
                           <a:latin typeface="Merriweather" panose="00000500000000000000" pitchFamily="2" charset="0"/>
                         </a:rPr>
-                        <a:t>89.915</a:t>
+                        <a:t>93.07515</a:t>
                       </a:r>
-                      <a:endParaRPr lang="en-IN" sz="1200">
-                        <a:effectLst/>
-                        <a:latin typeface="Merriweather" panose="00000500000000000000" pitchFamily="2" charset="0"/>
-                        <a:ea typeface="Calibri" panose="020F0502020204030204" pitchFamily="34" charset="0"/>
-                        <a:cs typeface="Times New Roman" panose="02020603050405020304" pitchFamily="18" charset="0"/>
-                      </a:endParaRPr>
                     </a:p>
                   </a:txBody>
-                  <a:tcPr marL="68580" marR="68580" marT="0" marB="0" anchor="ctr"/>
+                  <a:tcPr marL="47625" marR="47625" marT="47625" marB="47625" anchor="ctr"/>
                 </a:tc>
                 <a:tc>
                   <a:txBody>
                     <a:bodyPr/>
                     <a:lstStyle/>
                     <a:p>
-                      <a:pPr algn="ctr">
-                        <a:lnSpc>
-                          <a:spcPct val="115000"/>
-                        </a:lnSpc>
-                        <a:spcBef>
-                          <a:spcPts val="600"/>
-                        </a:spcBef>
-                        <a:spcAft>
-                          <a:spcPts val="600"/>
-                        </a:spcAft>
-                      </a:pPr>
+                      <a:pPr algn="ctr"/>
                       <a:r>
-                        <a:rPr lang="en-US" sz="1100">
+                        <a:rPr lang="en-IN" sz="1100" dirty="0">
                           <a:effectLst/>
                           <a:latin typeface="Merriweather" panose="00000500000000000000" pitchFamily="2" charset="0"/>
                         </a:rPr>
-                        <a:t>86.6</a:t>
+                        <a:t>216.8</a:t>
                       </a:r>
-                      <a:endParaRPr lang="en-IN" sz="1200">
-                        <a:effectLst/>
-                        <a:latin typeface="Merriweather" panose="00000500000000000000" pitchFamily="2" charset="0"/>
-                        <a:ea typeface="Calibri" panose="020F0502020204030204" pitchFamily="34" charset="0"/>
-                        <a:cs typeface="Times New Roman" panose="02020603050405020304" pitchFamily="18" charset="0"/>
-                      </a:endParaRPr>
                     </a:p>
                   </a:txBody>
-                  <a:tcPr marL="68580" marR="68580" marT="0" marB="0" anchor="ctr"/>
+                  <a:tcPr marL="47625" marR="47625" marT="47625" marB="47625" anchor="ctr"/>
                 </a:tc>
                 <a:tc>
                   <a:txBody>
                     <a:bodyPr/>
                     <a:lstStyle/>
                     <a:p>
-                      <a:pPr algn="ctr">
-                        <a:lnSpc>
-                          <a:spcPct val="115000"/>
-                        </a:lnSpc>
-                        <a:spcBef>
-                          <a:spcPts val="600"/>
-                        </a:spcBef>
-                        <a:spcAft>
-                          <a:spcPts val="600"/>
-                        </a:spcAft>
-                      </a:pPr>
+                      <a:pPr algn="ctr"/>
                       <a:r>
-                        <a:rPr lang="en-US" sz="1100">
+                        <a:rPr lang="en-IN" sz="1100" dirty="0">
                           <a:effectLst/>
                           <a:latin typeface="Merriweather" panose="00000500000000000000" pitchFamily="2" charset="0"/>
                         </a:rPr>
-                        <a:t>290.46</a:t>
+                        <a:t>700.11</a:t>
                       </a:r>
-                      <a:endParaRPr lang="en-IN" sz="1200">
-                        <a:effectLst/>
-                        <a:latin typeface="Merriweather" panose="00000500000000000000" pitchFamily="2" charset="0"/>
-                        <a:ea typeface="Calibri" panose="020F0502020204030204" pitchFamily="34" charset="0"/>
-                        <a:cs typeface="Times New Roman" panose="02020603050405020304" pitchFamily="18" charset="0"/>
-                      </a:endParaRPr>
                     </a:p>
                   </a:txBody>
-                  <a:tcPr marL="68580" marR="68580" marT="0" marB="0" anchor="ctr"/>
+                  <a:tcPr marL="47625" marR="47625" marT="47625" marB="47625" anchor="ctr"/>
                 </a:tc>
                 <a:tc>
                   <a:txBody>
                     <a:bodyPr/>
                     <a:lstStyle/>
                     <a:p>
-                      <a:pPr algn="ctr">
-                        <a:lnSpc>
-                          <a:spcPct val="115000"/>
-                        </a:lnSpc>
-                        <a:spcBef>
-                          <a:spcPts val="600"/>
-                        </a:spcBef>
-                        <a:spcAft>
-                          <a:spcPts val="600"/>
-                        </a:spcAft>
-                      </a:pPr>
+                      <a:pPr algn="ctr"/>
                       <a:r>
-                        <a:rPr lang="en-US" sz="1100" dirty="0">
+                        <a:rPr lang="en-IN" sz="1100" dirty="0">
                           <a:effectLst/>
                           <a:latin typeface="Merriweather" panose="00000500000000000000" pitchFamily="2" charset="0"/>
                         </a:rPr>
-                        <a:t>68.58083</a:t>
+                        <a:t>165.3037</a:t>
                       </a:r>
-                      <a:endParaRPr lang="en-IN" sz="1200" dirty="0">
-                        <a:effectLst/>
-                        <a:latin typeface="Merriweather" panose="00000500000000000000" pitchFamily="2" charset="0"/>
-                        <a:ea typeface="Calibri" panose="020F0502020204030204" pitchFamily="34" charset="0"/>
-                        <a:cs typeface="Times New Roman" panose="02020603050405020304" pitchFamily="18" charset="0"/>
-                      </a:endParaRPr>
                     </a:p>
                   </a:txBody>
-                  <a:tcPr marL="68580" marR="68580" marT="0" marB="0" anchor="ctr"/>
+                  <a:tcPr marL="47625" marR="47625" marT="47625" marB="47625" anchor="ctr"/>
                 </a:tc>
                 <a:extLst>
                   <a:ext uri="{0D108BD9-81ED-4DB2-BD59-A6C34878D82A}">
@@ -16081,7 +15921,7 @@
                         </a:spcAft>
                       </a:pPr>
                       <a:r>
-                        <a:rPr lang="en-US" sz="1100">
+                        <a:rPr lang="en-US" sz="1100" dirty="0">
                           <a:solidFill>
                             <a:schemeClr val="bg1"/>
                           </a:solidFill>
@@ -16090,7 +15930,7 @@
                         </a:rPr>
                         <a:t>Firefly Algorithm</a:t>
                       </a:r>
-                      <a:endParaRPr lang="en-IN" sz="1200">
+                      <a:endParaRPr lang="en-IN" sz="1200" dirty="0">
                         <a:solidFill>
                           <a:schemeClr val="bg1"/>
                         </a:solidFill>
@@ -16108,7 +15948,7 @@
                     <a:bodyPr/>
                     <a:lstStyle/>
                     <a:p>
-                      <a:pPr algn="ctr">
+                      <a:pPr algn="l">
                         <a:lnSpc>
                           <a:spcPct val="115000"/>
                         </a:lnSpc>
@@ -16120,13 +15960,18 @@
                         </a:spcAft>
                       </a:pPr>
                       <a:r>
-                        <a:rPr lang="en-US" sz="1100">
+                        <a:rPr lang="en-IN" sz="1100" b="0" i="0" kern="1200" dirty="0">
+                          <a:solidFill>
+                            <a:schemeClr val="dk1"/>
+                          </a:solidFill>
                           <a:effectLst/>
                           <a:latin typeface="Merriweather" panose="00000500000000000000" pitchFamily="2" charset="0"/>
+                          <a:ea typeface="+mn-ea"/>
+                          <a:cs typeface="+mn-cs"/>
                         </a:rPr>
-                        <a:t>FIR</a:t>
+                        <a:t>['FIR-0042', 'FIR-0037', 'FIR-0003', 'FIR-0049', 'FIR-0043', 'FIR-0041', 'FIR-0014', 'FIR-0009', 'FIR-0012', 'FIR-0000']</a:t>
                       </a:r>
-                      <a:endParaRPr lang="en-IN" sz="1200">
+                      <a:endParaRPr lang="en-IN" sz="1100" dirty="0">
                         <a:effectLst/>
                         <a:latin typeface="Merriweather" panose="00000500000000000000" pitchFamily="2" charset="0"/>
                         <a:ea typeface="Calibri" panose="020F0502020204030204" pitchFamily="34" charset="0"/>
@@ -16141,132 +15986,68 @@
                     <a:bodyPr/>
                     <a:lstStyle/>
                     <a:p>
-                      <a:pPr algn="ctr">
-                        <a:lnSpc>
-                          <a:spcPct val="115000"/>
-                        </a:lnSpc>
-                        <a:spcBef>
-                          <a:spcPts val="600"/>
-                        </a:spcBef>
-                        <a:spcAft>
-                          <a:spcPts val="600"/>
-                        </a:spcAft>
-                      </a:pPr>
+                      <a:pPr algn="ctr"/>
                       <a:r>
-                        <a:rPr lang="en-US" sz="1100">
+                        <a:rPr lang="en-IN" sz="1100" dirty="0">
                           <a:effectLst/>
                           <a:latin typeface="Merriweather" panose="00000500000000000000" pitchFamily="2" charset="0"/>
                         </a:rPr>
-                        <a:t>89.89</a:t>
+                        <a:t>93.14431</a:t>
                       </a:r>
-                      <a:endParaRPr lang="en-IN" sz="1200">
-                        <a:effectLst/>
-                        <a:latin typeface="Merriweather" panose="00000500000000000000" pitchFamily="2" charset="0"/>
-                        <a:ea typeface="Calibri" panose="020F0502020204030204" pitchFamily="34" charset="0"/>
-                        <a:cs typeface="Times New Roman" panose="02020603050405020304" pitchFamily="18" charset="0"/>
-                      </a:endParaRPr>
                     </a:p>
                   </a:txBody>
-                  <a:tcPr marL="68580" marR="68580" marT="0" marB="0" anchor="ctr"/>
+                  <a:tcPr marL="47625" marR="47625" marT="47625" marB="47625" anchor="ctr"/>
                 </a:tc>
                 <a:tc>
                   <a:txBody>
                     <a:bodyPr/>
                     <a:lstStyle/>
                     <a:p>
-                      <a:pPr algn="ctr">
-                        <a:lnSpc>
-                          <a:spcPct val="115000"/>
-                        </a:lnSpc>
-                        <a:spcBef>
-                          <a:spcPts val="600"/>
-                        </a:spcBef>
-                        <a:spcAft>
-                          <a:spcPts val="600"/>
-                        </a:spcAft>
-                      </a:pPr>
+                      <a:pPr algn="ctr"/>
                       <a:r>
-                        <a:rPr lang="en-US" sz="1100">
+                        <a:rPr lang="en-IN" sz="1100">
                           <a:effectLst/>
                           <a:latin typeface="Merriweather" panose="00000500000000000000" pitchFamily="2" charset="0"/>
                         </a:rPr>
-                        <a:t>106.3</a:t>
+                        <a:t>261.1</a:t>
                       </a:r>
-                      <a:endParaRPr lang="en-IN" sz="1200">
-                        <a:effectLst/>
-                        <a:latin typeface="Merriweather" panose="00000500000000000000" pitchFamily="2" charset="0"/>
-                        <a:ea typeface="Calibri" panose="020F0502020204030204" pitchFamily="34" charset="0"/>
-                        <a:cs typeface="Times New Roman" panose="02020603050405020304" pitchFamily="18" charset="0"/>
-                      </a:endParaRPr>
                     </a:p>
                   </a:txBody>
-                  <a:tcPr marL="68580" marR="68580" marT="0" marB="0" anchor="ctr"/>
+                  <a:tcPr marL="47625" marR="47625" marT="47625" marB="47625" anchor="ctr"/>
                 </a:tc>
                 <a:tc>
                   <a:txBody>
                     <a:bodyPr/>
                     <a:lstStyle/>
                     <a:p>
-                      <a:pPr algn="ctr">
-                        <a:lnSpc>
-                          <a:spcPct val="115000"/>
-                        </a:lnSpc>
-                        <a:spcBef>
-                          <a:spcPts val="600"/>
-                        </a:spcBef>
-                        <a:spcAft>
-                          <a:spcPts val="600"/>
-                        </a:spcAft>
-                      </a:pPr>
+                      <a:pPr algn="ctr"/>
                       <a:r>
-                        <a:rPr lang="en-US" sz="1100">
+                        <a:rPr lang="en-IN" sz="1100" dirty="0">
                           <a:effectLst/>
                           <a:latin typeface="Merriweather" panose="00000500000000000000" pitchFamily="2" charset="0"/>
                         </a:rPr>
-                        <a:t>338.48</a:t>
+                        <a:t>827.82</a:t>
                       </a:r>
-                      <a:endParaRPr lang="en-IN" sz="1200">
-                        <a:effectLst/>
-                        <a:latin typeface="Merriweather" panose="00000500000000000000" pitchFamily="2" charset="0"/>
-                        <a:ea typeface="Calibri" panose="020F0502020204030204" pitchFamily="34" charset="0"/>
-                        <a:cs typeface="Times New Roman" panose="02020603050405020304" pitchFamily="18" charset="0"/>
-                      </a:endParaRPr>
                     </a:p>
                   </a:txBody>
-                  <a:tcPr marL="68580" marR="68580" marT="0" marB="0" anchor="ctr"/>
+                  <a:tcPr marL="47625" marR="47625" marT="47625" marB="47625" anchor="ctr"/>
                 </a:tc>
                 <a:tc>
                   <a:txBody>
                     <a:bodyPr/>
                     <a:lstStyle/>
                     <a:p>
-                      <a:pPr algn="ctr">
-                        <a:lnSpc>
-                          <a:spcPct val="115000"/>
-                        </a:lnSpc>
-                        <a:spcBef>
-                          <a:spcPts val="600"/>
-                        </a:spcBef>
-                        <a:spcAft>
-                          <a:spcPts val="600"/>
-                        </a:spcAft>
-                      </a:pPr>
+                      <a:pPr algn="ctr"/>
                       <a:r>
-                        <a:rPr lang="en-US" sz="1100" dirty="0">
+                        <a:rPr lang="en-IN" sz="1100" dirty="0">
                           <a:effectLst/>
                           <a:latin typeface="Merriweather" panose="00000500000000000000" pitchFamily="2" charset="0"/>
                         </a:rPr>
-                        <a:t>79.91889</a:t>
+                        <a:t>195.4575</a:t>
                       </a:r>
-                      <a:endParaRPr lang="en-IN" sz="1200" dirty="0">
-                        <a:effectLst/>
-                        <a:latin typeface="Merriweather" panose="00000500000000000000" pitchFamily="2" charset="0"/>
-                        <a:ea typeface="Calibri" panose="020F0502020204030204" pitchFamily="34" charset="0"/>
-                        <a:cs typeface="Times New Roman" panose="02020603050405020304" pitchFamily="18" charset="0"/>
-                      </a:endParaRPr>
                     </a:p>
                   </a:txBody>
-                  <a:tcPr marL="68580" marR="68580" marT="0" marB="0" anchor="ctr"/>
+                  <a:tcPr marL="47625" marR="47625" marT="47625" marB="47625" anchor="ctr"/>
                 </a:tc>
                 <a:extLst>
                   <a:ext uri="{0D108BD9-81ED-4DB2-BD59-A6C34878D82A}">
@@ -16319,7 +16100,7 @@
                     <a:bodyPr/>
                     <a:lstStyle/>
                     <a:p>
-                      <a:pPr algn="ctr">
+                      <a:pPr algn="l">
                         <a:lnSpc>
                           <a:spcPct val="115000"/>
                         </a:lnSpc>
@@ -16331,13 +16112,18 @@
                         </a:spcAft>
                       </a:pPr>
                       <a:r>
-                        <a:rPr lang="en-US" sz="1100">
+                        <a:rPr lang="fr-FR" sz="1100" b="0" i="0" kern="1200" dirty="0">
+                          <a:solidFill>
+                            <a:schemeClr val="dk1"/>
+                          </a:solidFill>
                           <a:effectLst/>
                           <a:latin typeface="Merriweather" panose="00000500000000000000" pitchFamily="2" charset="0"/>
+                          <a:ea typeface="+mn-ea"/>
+                          <a:cs typeface="+mn-cs"/>
                         </a:rPr>
-                        <a:t>PAR</a:t>
+                        <a:t>['PAR-0016', 'PAR-0043', 'PAR-0030', 'PAR-0003', 'PAR-0022', 'PAR-0004', 'PAR-0045', 'PAR-0044', 'PAR-0032', 'PAR-0015']</a:t>
                       </a:r>
-                      <a:endParaRPr lang="en-IN" sz="1200">
+                      <a:endParaRPr lang="en-IN" sz="1100" dirty="0">
                         <a:effectLst/>
                         <a:latin typeface="Merriweather" panose="00000500000000000000" pitchFamily="2" charset="0"/>
                         <a:ea typeface="Calibri" panose="020F0502020204030204" pitchFamily="34" charset="0"/>
@@ -16352,347 +16138,78 @@
                     <a:bodyPr/>
                     <a:lstStyle/>
                     <a:p>
-                      <a:pPr algn="ctr">
-                        <a:lnSpc>
-                          <a:spcPct val="115000"/>
-                        </a:lnSpc>
-                        <a:spcBef>
-                          <a:spcPts val="600"/>
-                        </a:spcBef>
-                        <a:spcAft>
-                          <a:spcPts val="600"/>
-                        </a:spcAft>
-                      </a:pPr>
-                      <a:r>
-                        <a:rPr lang="en-US" sz="1100">
+                      <a:pPr algn="ctr"/>
+                      <a:br>
+                        <a:rPr lang="en-IN" sz="1100" dirty="0">
                           <a:effectLst/>
                           <a:latin typeface="Merriweather" panose="00000500000000000000" pitchFamily="2" charset="0"/>
                         </a:rPr>
-                        <a:t>89.885</a:t>
+                      </a:br>
+                      <a:r>
+                        <a:rPr lang="en-IN" sz="1100" dirty="0">
+                          <a:effectLst/>
+                          <a:latin typeface="Merriweather" panose="00000500000000000000" pitchFamily="2" charset="0"/>
+                        </a:rPr>
+                        <a:t>93.12125</a:t>
                       </a:r>
-                      <a:endParaRPr lang="en-IN" sz="1200">
-                        <a:effectLst/>
-                        <a:latin typeface="Merriweather" panose="00000500000000000000" pitchFamily="2" charset="0"/>
-                        <a:ea typeface="Calibri" panose="020F0502020204030204" pitchFamily="34" charset="0"/>
-                        <a:cs typeface="Times New Roman" panose="02020603050405020304" pitchFamily="18" charset="0"/>
-                      </a:endParaRPr>
                     </a:p>
                   </a:txBody>
-                  <a:tcPr marL="68580" marR="68580" marT="0" marB="0" anchor="ctr"/>
+                  <a:tcPr marL="47625" marR="47625" marT="47625" marB="47625" anchor="ctr"/>
                 </a:tc>
                 <a:tc>
                   <a:txBody>
                     <a:bodyPr/>
                     <a:lstStyle/>
                     <a:p>
-                      <a:pPr algn="ctr">
-                        <a:lnSpc>
-                          <a:spcPct val="115000"/>
-                        </a:lnSpc>
-                        <a:spcBef>
-                          <a:spcPts val="600"/>
-                        </a:spcBef>
-                        <a:spcAft>
-                          <a:spcPts val="600"/>
-                        </a:spcAft>
-                      </a:pPr>
+                      <a:pPr algn="ctr"/>
                       <a:r>
-                        <a:rPr lang="en-US" sz="1100">
+                        <a:rPr lang="en-IN" sz="1100">
                           <a:effectLst/>
                           <a:latin typeface="Merriweather" panose="00000500000000000000" pitchFamily="2" charset="0"/>
                         </a:rPr>
-                        <a:t>62.7</a:t>
+                        <a:t>96.4</a:t>
                       </a:r>
-                      <a:endParaRPr lang="en-IN" sz="1200">
-                        <a:effectLst/>
-                        <a:latin typeface="Merriweather" panose="00000500000000000000" pitchFamily="2" charset="0"/>
-                        <a:ea typeface="Calibri" panose="020F0502020204030204" pitchFamily="34" charset="0"/>
-                        <a:cs typeface="Times New Roman" panose="02020603050405020304" pitchFamily="18" charset="0"/>
-                      </a:endParaRPr>
                     </a:p>
                   </a:txBody>
-                  <a:tcPr marL="68580" marR="68580" marT="0" marB="0" anchor="ctr"/>
+                  <a:tcPr marL="47625" marR="47625" marT="47625" marB="47625" anchor="ctr"/>
                 </a:tc>
                 <a:tc>
                   <a:txBody>
                     <a:bodyPr/>
                     <a:lstStyle/>
                     <a:p>
-                      <a:pPr algn="ctr">
-                        <a:lnSpc>
-                          <a:spcPct val="115000"/>
-                        </a:lnSpc>
-                        <a:spcBef>
-                          <a:spcPts val="600"/>
-                        </a:spcBef>
-                        <a:spcAft>
-                          <a:spcPts val="600"/>
-                        </a:spcAft>
-                      </a:pPr>
+                      <a:pPr algn="ctr"/>
                       <a:r>
-                        <a:rPr lang="en-US" sz="1100">
+                        <a:rPr lang="en-IN" sz="1100" dirty="0">
                           <a:effectLst/>
                           <a:latin typeface="Merriweather" panose="00000500000000000000" pitchFamily="2" charset="0"/>
                         </a:rPr>
-                        <a:t>209.94</a:t>
+                        <a:t>317.35</a:t>
                       </a:r>
-                      <a:endParaRPr lang="en-IN" sz="1200">
-                        <a:effectLst/>
-                        <a:latin typeface="Merriweather" panose="00000500000000000000" pitchFamily="2" charset="0"/>
-                        <a:ea typeface="Calibri" panose="020F0502020204030204" pitchFamily="34" charset="0"/>
-                        <a:cs typeface="Times New Roman" panose="02020603050405020304" pitchFamily="18" charset="0"/>
-                      </a:endParaRPr>
                     </a:p>
                   </a:txBody>
-                  <a:tcPr marL="68580" marR="68580" marT="0" marB="0" anchor="ctr"/>
+                  <a:tcPr marL="47625" marR="47625" marT="47625" marB="47625" anchor="ctr"/>
                 </a:tc>
                 <a:tc>
                   <a:txBody>
                     <a:bodyPr/>
                     <a:lstStyle/>
                     <a:p>
-                      <a:pPr algn="ctr">
-                        <a:lnSpc>
-                          <a:spcPct val="115000"/>
-                        </a:lnSpc>
-                        <a:spcBef>
-                          <a:spcPts val="600"/>
-                        </a:spcBef>
-                        <a:spcAft>
-                          <a:spcPts val="600"/>
-                        </a:spcAft>
-                      </a:pPr>
+                      <a:pPr algn="ctr"/>
                       <a:r>
-                        <a:rPr lang="en-US" sz="1100" dirty="0">
+                        <a:rPr lang="en-IN" sz="1100" dirty="0">
                           <a:effectLst/>
                           <a:latin typeface="Merriweather" panose="00000500000000000000" pitchFamily="2" charset="0"/>
                         </a:rPr>
-                        <a:t>49.56917</a:t>
+                        <a:t>74.9299</a:t>
                       </a:r>
-                      <a:endParaRPr lang="en-IN" sz="1200" dirty="0">
-                        <a:effectLst/>
-                        <a:latin typeface="Merriweather" panose="00000500000000000000" pitchFamily="2" charset="0"/>
-                        <a:ea typeface="Calibri" panose="020F0502020204030204" pitchFamily="34" charset="0"/>
-                        <a:cs typeface="Times New Roman" panose="02020603050405020304" pitchFamily="18" charset="0"/>
-                      </a:endParaRPr>
                     </a:p>
                   </a:txBody>
-                  <a:tcPr marL="68580" marR="68580" marT="0" marB="0" anchor="ctr"/>
+                  <a:tcPr marL="47625" marR="47625" marT="47625" marB="47625" anchor="ctr"/>
                 </a:tc>
                 <a:extLst>
                   <a:ext uri="{0D108BD9-81ED-4DB2-BD59-A6C34878D82A}">
                     <a16:rowId xmlns:a16="http://schemas.microsoft.com/office/drawing/2014/main" val="551419794"/>
-                  </a:ext>
-                </a:extLst>
-              </a:tr>
-              <a:tr h="787014">
-                <a:tc>
-                  <a:txBody>
-                    <a:bodyPr/>
-                    <a:lstStyle/>
-                    <a:p>
-                      <a:pPr algn="l">
-                        <a:lnSpc>
-                          <a:spcPct val="115000"/>
-                        </a:lnSpc>
-                        <a:spcBef>
-                          <a:spcPts val="600"/>
-                        </a:spcBef>
-                        <a:spcAft>
-                          <a:spcPts val="600"/>
-                        </a:spcAft>
-                      </a:pPr>
-                      <a:r>
-                        <a:rPr lang="en-US" sz="1100" dirty="0">
-                          <a:solidFill>
-                            <a:schemeClr val="bg1"/>
-                          </a:solidFill>
-                          <a:effectLst/>
-                          <a:latin typeface="Merriweather" panose="00000500000000000000" pitchFamily="2" charset="0"/>
-                        </a:rPr>
-                        <a:t>Self-Adaptive Bat Algorithm</a:t>
-                      </a:r>
-                      <a:endParaRPr lang="en-IN" sz="1200" dirty="0">
-                        <a:solidFill>
-                          <a:schemeClr val="bg1"/>
-                        </a:solidFill>
-                        <a:effectLst/>
-                        <a:latin typeface="Merriweather" panose="00000500000000000000" pitchFamily="2" charset="0"/>
-                        <a:ea typeface="Calibri" panose="020F0502020204030204" pitchFamily="34" charset="0"/>
-                        <a:cs typeface="Times New Roman" panose="02020603050405020304" pitchFamily="18" charset="0"/>
-                      </a:endParaRPr>
-                    </a:p>
-                  </a:txBody>
-                  <a:tcPr marL="68580" marR="68580" marT="0" marB="0" anchor="ctr"/>
-                </a:tc>
-                <a:tc>
-                  <a:txBody>
-                    <a:bodyPr/>
-                    <a:lstStyle/>
-                    <a:p>
-                      <a:pPr algn="ctr">
-                        <a:lnSpc>
-                          <a:spcPct val="115000"/>
-                        </a:lnSpc>
-                        <a:spcBef>
-                          <a:spcPts val="600"/>
-                        </a:spcBef>
-                        <a:spcAft>
-                          <a:spcPts val="600"/>
-                        </a:spcAft>
-                      </a:pPr>
-                      <a:r>
-                        <a:rPr lang="en-US" sz="1100" dirty="0">
-                          <a:effectLst/>
-                          <a:latin typeface="Merriweather" panose="00000500000000000000" pitchFamily="2" charset="0"/>
-                        </a:rPr>
-                        <a:t>SEL</a:t>
-                      </a:r>
-                      <a:endParaRPr lang="en-IN" sz="1200" dirty="0">
-                        <a:effectLst/>
-                        <a:latin typeface="Merriweather" panose="00000500000000000000" pitchFamily="2" charset="0"/>
-                        <a:ea typeface="Calibri" panose="020F0502020204030204" pitchFamily="34" charset="0"/>
-                        <a:cs typeface="Times New Roman" panose="02020603050405020304" pitchFamily="18" charset="0"/>
-                      </a:endParaRPr>
-                    </a:p>
-                  </a:txBody>
-                  <a:tcPr marL="68580" marR="68580" marT="0" marB="0" anchor="ctr"/>
-                </a:tc>
-                <a:tc>
-                  <a:txBody>
-                    <a:bodyPr/>
-                    <a:lstStyle/>
-                    <a:p>
-                      <a:pPr algn="ctr">
-                        <a:lnSpc>
-                          <a:spcPct val="115000"/>
-                        </a:lnSpc>
-                        <a:spcBef>
-                          <a:spcPts val="600"/>
-                        </a:spcBef>
-                        <a:spcAft>
-                          <a:spcPts val="600"/>
-                        </a:spcAft>
-                      </a:pPr>
-                      <a:r>
-                        <a:rPr lang="en-US" sz="1100">
-                          <a:effectLst/>
-                          <a:latin typeface="Merriweather" panose="00000500000000000000" pitchFamily="2" charset="0"/>
-                        </a:rPr>
-                        <a:t>89.87</a:t>
-                      </a:r>
-                      <a:endParaRPr lang="en-IN" sz="1200">
-                        <a:effectLst/>
-                        <a:latin typeface="Merriweather" panose="00000500000000000000" pitchFamily="2" charset="0"/>
-                        <a:ea typeface="Calibri" panose="020F0502020204030204" pitchFamily="34" charset="0"/>
-                        <a:cs typeface="Times New Roman" panose="02020603050405020304" pitchFamily="18" charset="0"/>
-                      </a:endParaRPr>
-                    </a:p>
-                  </a:txBody>
-                  <a:tcPr marL="68580" marR="68580" marT="0" marB="0" anchor="ctr"/>
-                </a:tc>
-                <a:tc>
-                  <a:txBody>
-                    <a:bodyPr/>
-                    <a:lstStyle/>
-                    <a:p>
-                      <a:pPr algn="ctr">
-                        <a:lnSpc>
-                          <a:spcPct val="115000"/>
-                        </a:lnSpc>
-                        <a:spcBef>
-                          <a:spcPts val="600"/>
-                        </a:spcBef>
-                        <a:spcAft>
-                          <a:spcPts val="600"/>
-                        </a:spcAft>
-                      </a:pPr>
-                      <a:r>
-                        <a:rPr lang="en-US" sz="1100" dirty="0">
-                          <a:effectLst/>
-                          <a:latin typeface="Merriweather" panose="00000500000000000000" pitchFamily="2" charset="0"/>
-                        </a:rPr>
-                        <a:t>112.6</a:t>
-                      </a:r>
-                      <a:endParaRPr lang="en-IN" sz="1200" dirty="0">
-                        <a:effectLst/>
-                        <a:latin typeface="Merriweather" panose="00000500000000000000" pitchFamily="2" charset="0"/>
-                        <a:ea typeface="Calibri" panose="020F0502020204030204" pitchFamily="34" charset="0"/>
-                        <a:cs typeface="Times New Roman" panose="02020603050405020304" pitchFamily="18" charset="0"/>
-                      </a:endParaRPr>
-                    </a:p>
-                  </a:txBody>
-                  <a:tcPr marL="68580" marR="68580" marT="0" marB="0" anchor="ctr"/>
-                </a:tc>
-                <a:tc>
-                  <a:txBody>
-                    <a:bodyPr/>
-                    <a:lstStyle/>
-                    <a:p>
-                      <a:pPr algn="ctr">
-                        <a:lnSpc>
-                          <a:spcPct val="115000"/>
-                        </a:lnSpc>
-                        <a:spcBef>
-                          <a:spcPts val="600"/>
-                        </a:spcBef>
-                        <a:spcAft>
-                          <a:spcPts val="600"/>
-                        </a:spcAft>
-                      </a:pPr>
-                      <a:r>
-                        <a:rPr lang="en-US" sz="1100">
-                          <a:effectLst/>
-                          <a:latin typeface="Merriweather" panose="00000500000000000000" pitchFamily="2" charset="0"/>
-                        </a:rPr>
-                        <a:t>381.87</a:t>
-                      </a:r>
-                      <a:endParaRPr lang="en-IN" sz="1200">
-                        <a:effectLst/>
-                        <a:latin typeface="Merriweather" panose="00000500000000000000" pitchFamily="2" charset="0"/>
-                        <a:ea typeface="Calibri" panose="020F0502020204030204" pitchFamily="34" charset="0"/>
-                        <a:cs typeface="Times New Roman" panose="02020603050405020304" pitchFamily="18" charset="0"/>
-                      </a:endParaRPr>
-                    </a:p>
-                  </a:txBody>
-                  <a:tcPr marL="68580" marR="68580" marT="0" marB="0" anchor="ctr"/>
-                </a:tc>
-                <a:tc>
-                  <a:txBody>
-                    <a:bodyPr/>
-                    <a:lstStyle/>
-                    <a:p>
-                      <a:pPr algn="ctr">
-                        <a:lnSpc>
-                          <a:spcPct val="115000"/>
-                        </a:lnSpc>
-                        <a:spcBef>
-                          <a:spcPts val="600"/>
-                        </a:spcBef>
-                        <a:spcAft>
-                          <a:spcPts val="600"/>
-                        </a:spcAft>
-                      </a:pPr>
-                      <a:r>
-                        <a:rPr lang="en-US" sz="1100" dirty="0">
-                          <a:effectLst/>
-                          <a:latin typeface="Merriweather" panose="00000500000000000000" pitchFamily="2" charset="0"/>
-                        </a:rPr>
-                        <a:t>90.16375</a:t>
-                      </a:r>
-                      <a:endParaRPr lang="en-IN" sz="1200" dirty="0">
-                        <a:effectLst/>
-                        <a:latin typeface="Merriweather" panose="00000500000000000000" pitchFamily="2" charset="0"/>
-                        <a:ea typeface="Calibri" panose="020F0502020204030204" pitchFamily="34" charset="0"/>
-                        <a:cs typeface="Times New Roman" panose="02020603050405020304" pitchFamily="18" charset="0"/>
-                      </a:endParaRPr>
-                    </a:p>
-                  </a:txBody>
-                  <a:tcPr marL="68580" marR="68580" marT="0" marB="0" anchor="ctr"/>
-                </a:tc>
-                <a:extLst>
-                  <a:ext uri="{0D108BD9-81ED-4DB2-BD59-A6C34878D82A}">
-                    <a16:rowId xmlns:a16="http://schemas.microsoft.com/office/drawing/2014/main" val="4013600779"/>
                   </a:ext>
                 </a:extLst>
               </a:tr>
@@ -16810,10 +16327,10 @@
       </p:sp>
       <p:pic>
         <p:nvPicPr>
-          <p:cNvPr id="15" name="Picture 14">
-            <a:extLst>
-              <a:ext uri="{FF2B5EF4-FFF2-40B4-BE49-F238E27FC236}">
-                <a16:creationId xmlns:a16="http://schemas.microsoft.com/office/drawing/2014/main" id="{AF07770D-F42A-E5C6-42BD-895A1026A0BB}"/>
+          <p:cNvPr id="5" name="Picture 4">
+            <a:extLst>
+              <a:ext uri="{FF2B5EF4-FFF2-40B4-BE49-F238E27FC236}">
+                <a16:creationId xmlns:a16="http://schemas.microsoft.com/office/drawing/2014/main" id="{6204F675-FE44-E891-BA2E-5AFD012885DF}"/>
               </a:ext>
             </a:extLst>
           </p:cNvPr>
@@ -16836,8 +16353,8 @@
         </p:blipFill>
         <p:spPr>
           <a:xfrm>
-            <a:off x="485776" y="852154"/>
-            <a:ext cx="5088065" cy="3820192"/>
+            <a:off x="308921" y="776233"/>
+            <a:ext cx="5294995" cy="3980326"/>
           </a:xfrm>
           <a:prstGeom prst="rect">
             <a:avLst/>
@@ -16846,10 +16363,10 @@
       </p:pic>
       <p:pic>
         <p:nvPicPr>
-          <p:cNvPr id="17" name="Picture 16">
-            <a:extLst>
-              <a:ext uri="{FF2B5EF4-FFF2-40B4-BE49-F238E27FC236}">
-                <a16:creationId xmlns:a16="http://schemas.microsoft.com/office/drawing/2014/main" id="{EC10F8FE-E531-1D97-8E2D-935E0D70D317}"/>
+          <p:cNvPr id="7" name="Picture 6">
+            <a:extLst>
+              <a:ext uri="{FF2B5EF4-FFF2-40B4-BE49-F238E27FC236}">
+                <a16:creationId xmlns:a16="http://schemas.microsoft.com/office/drawing/2014/main" id="{D7904A93-B60A-4B33-A2E6-933970758CF9}"/>
               </a:ext>
             </a:extLst>
           </p:cNvPr>
@@ -16872,14 +16389,94 @@
         </p:blipFill>
         <p:spPr>
           <a:xfrm>
-            <a:off x="6534150" y="2763535"/>
-            <a:ext cx="5084641" cy="3817621"/>
+            <a:off x="6156048" y="2599545"/>
+            <a:ext cx="5273389" cy="3980326"/>
           </a:xfrm>
           <a:prstGeom prst="rect">
             <a:avLst/>
           </a:prstGeom>
         </p:spPr>
       </p:pic>
+      <p:sp>
+        <p:nvSpPr>
+          <p:cNvPr id="8" name="TextBox 7">
+            <a:extLst>
+              <a:ext uri="{FF2B5EF4-FFF2-40B4-BE49-F238E27FC236}">
+                <a16:creationId xmlns:a16="http://schemas.microsoft.com/office/drawing/2014/main" id="{76D17799-2116-91B1-0345-3FC82585C15A}"/>
+              </a:ext>
+            </a:extLst>
+          </p:cNvPr>
+          <p:cNvSpPr txBox="1"/>
+          <p:nvPr/>
+        </p:nvSpPr>
+        <p:spPr>
+          <a:xfrm>
+            <a:off x="1015822" y="514623"/>
+            <a:ext cx="3881191" cy="261610"/>
+          </a:xfrm>
+          <a:prstGeom prst="rect">
+            <a:avLst/>
+          </a:prstGeom>
+          <a:noFill/>
+        </p:spPr>
+        <p:txBody>
+          <a:bodyPr wrap="none" rtlCol="0">
+            <a:spAutoFit/>
+          </a:bodyPr>
+          <a:lstStyle/>
+          <a:p>
+            <a:r>
+              <a:rPr lang="en-IN" sz="1100" dirty="0">
+                <a:solidFill>
+                  <a:schemeClr val="bg1"/>
+                </a:solidFill>
+                <a:latin typeface="Merriweather" panose="00000500000000000000" pitchFamily="2" charset="0"/>
+              </a:rPr>
+              <a:t>Average Accuracy of Top 10 models of each algorithm</a:t>
+            </a:r>
+          </a:p>
+        </p:txBody>
+      </p:sp>
+      <p:sp>
+        <p:nvSpPr>
+          <p:cNvPr id="9" name="TextBox 8">
+            <a:extLst>
+              <a:ext uri="{FF2B5EF4-FFF2-40B4-BE49-F238E27FC236}">
+                <a16:creationId xmlns:a16="http://schemas.microsoft.com/office/drawing/2014/main" id="{A559A410-02D6-0480-2CF1-0A874C33ED3D}"/>
+              </a:ext>
+            </a:extLst>
+          </p:cNvPr>
+          <p:cNvSpPr txBox="1"/>
+          <p:nvPr/>
+        </p:nvSpPr>
+        <p:spPr>
+          <a:xfrm>
+            <a:off x="6523531" y="2337935"/>
+            <a:ext cx="4538422" cy="261610"/>
+          </a:xfrm>
+          <a:prstGeom prst="rect">
+            <a:avLst/>
+          </a:prstGeom>
+          <a:noFill/>
+        </p:spPr>
+        <p:txBody>
+          <a:bodyPr wrap="none" rtlCol="0">
+            <a:spAutoFit/>
+          </a:bodyPr>
+          <a:lstStyle/>
+          <a:p>
+            <a:r>
+              <a:rPr lang="en-IN" sz="1100" dirty="0">
+                <a:solidFill>
+                  <a:schemeClr val="bg1"/>
+                </a:solidFill>
+                <a:latin typeface="Merriweather" panose="00000500000000000000" pitchFamily="2" charset="0"/>
+              </a:rPr>
+              <a:t>Average Energy Consumed by Top 10 models of each algorithm</a:t>
+            </a:r>
+          </a:p>
+        </p:txBody>
+      </p:sp>
     </p:spTree>
     <p:extLst>
       <p:ext uri="{BB962C8B-B14F-4D97-AF65-F5344CB8AC3E}">
@@ -16944,10 +16541,10 @@
       </p:sp>
       <p:pic>
         <p:nvPicPr>
-          <p:cNvPr id="14" name="Picture 13">
-            <a:extLst>
-              <a:ext uri="{FF2B5EF4-FFF2-40B4-BE49-F238E27FC236}">
-                <a16:creationId xmlns:a16="http://schemas.microsoft.com/office/drawing/2014/main" id="{6203BD2E-9E12-EFB9-BD52-DE803963B838}"/>
+          <p:cNvPr id="3" name="Picture 2">
+            <a:extLst>
+              <a:ext uri="{FF2B5EF4-FFF2-40B4-BE49-F238E27FC236}">
+                <a16:creationId xmlns:a16="http://schemas.microsoft.com/office/drawing/2014/main" id="{C16E74D1-CED9-7E2C-A6D9-5D5AB61A9233}"/>
               </a:ext>
             </a:extLst>
           </p:cNvPr>
@@ -16970,8 +16567,8 @@
         </p:blipFill>
         <p:spPr>
           <a:xfrm>
-            <a:off x="6334125" y="2635853"/>
-            <a:ext cx="5088065" cy="3820192"/>
+            <a:off x="316522" y="776233"/>
+            <a:ext cx="5279790" cy="3981600"/>
           </a:xfrm>
           <a:prstGeom prst="rect">
             <a:avLst/>
@@ -16980,10 +16577,10 @@
       </p:pic>
       <p:pic>
         <p:nvPicPr>
-          <p:cNvPr id="15" name="Picture 14">
-            <a:extLst>
-              <a:ext uri="{FF2B5EF4-FFF2-40B4-BE49-F238E27FC236}">
-                <a16:creationId xmlns:a16="http://schemas.microsoft.com/office/drawing/2014/main" id="{95669371-EEB8-77DF-344F-D0E170AA19E3}"/>
+          <p:cNvPr id="5" name="Picture 4">
+            <a:extLst>
+              <a:ext uri="{FF2B5EF4-FFF2-40B4-BE49-F238E27FC236}">
+                <a16:creationId xmlns:a16="http://schemas.microsoft.com/office/drawing/2014/main" id="{6145F146-90A6-38EA-32CC-5F7FBD855900}"/>
               </a:ext>
             </a:extLst>
           </p:cNvPr>
@@ -17006,14 +16603,94 @@
         </p:blipFill>
         <p:spPr>
           <a:xfrm>
-            <a:off x="369761" y="728662"/>
-            <a:ext cx="5088065" cy="3820192"/>
+            <a:off x="5943020" y="2586708"/>
+            <a:ext cx="5277430" cy="3981600"/>
           </a:xfrm>
           <a:prstGeom prst="rect">
             <a:avLst/>
           </a:prstGeom>
         </p:spPr>
       </p:pic>
+      <p:sp>
+        <p:nvSpPr>
+          <p:cNvPr id="6" name="TextBox 5">
+            <a:extLst>
+              <a:ext uri="{FF2B5EF4-FFF2-40B4-BE49-F238E27FC236}">
+                <a16:creationId xmlns:a16="http://schemas.microsoft.com/office/drawing/2014/main" id="{34515E13-DA27-8BC7-9988-942D579432D9}"/>
+              </a:ext>
+            </a:extLst>
+          </p:cNvPr>
+          <p:cNvSpPr txBox="1"/>
+          <p:nvPr/>
+        </p:nvSpPr>
+        <p:spPr>
+          <a:xfrm>
+            <a:off x="591827" y="514623"/>
+            <a:ext cx="4729180" cy="261610"/>
+          </a:xfrm>
+          <a:prstGeom prst="rect">
+            <a:avLst/>
+          </a:prstGeom>
+          <a:noFill/>
+        </p:spPr>
+        <p:txBody>
+          <a:bodyPr wrap="none" rtlCol="0">
+            <a:spAutoFit/>
+          </a:bodyPr>
+          <a:lstStyle/>
+          <a:p>
+            <a:r>
+              <a:rPr lang="en-IN" sz="1100" dirty="0">
+                <a:solidFill>
+                  <a:schemeClr val="bg1"/>
+                </a:solidFill>
+                <a:latin typeface="Merriweather" panose="00000500000000000000" pitchFamily="2" charset="0"/>
+              </a:rPr>
+              <a:t>Accuracy to Energy Consumed of Top 10 models of each algorithm</a:t>
+            </a:r>
+          </a:p>
+        </p:txBody>
+      </p:sp>
+      <p:sp>
+        <p:nvSpPr>
+          <p:cNvPr id="7" name="TextBox 6">
+            <a:extLst>
+              <a:ext uri="{FF2B5EF4-FFF2-40B4-BE49-F238E27FC236}">
+                <a16:creationId xmlns:a16="http://schemas.microsoft.com/office/drawing/2014/main" id="{862562B6-42B2-B3E9-A2C7-4A8F5D06B8CB}"/>
+              </a:ext>
+            </a:extLst>
+          </p:cNvPr>
+          <p:cNvSpPr txBox="1"/>
+          <p:nvPr/>
+        </p:nvSpPr>
+        <p:spPr>
+          <a:xfrm>
+            <a:off x="6062455" y="2325098"/>
+            <a:ext cx="5038559" cy="261610"/>
+          </a:xfrm>
+          <a:prstGeom prst="rect">
+            <a:avLst/>
+          </a:prstGeom>
+          <a:noFill/>
+        </p:spPr>
+        <p:txBody>
+          <a:bodyPr wrap="none" rtlCol="0">
+            <a:spAutoFit/>
+          </a:bodyPr>
+          <a:lstStyle/>
+          <a:p>
+            <a:r>
+              <a:rPr lang="en-IN" sz="1100" dirty="0">
+                <a:solidFill>
+                  <a:schemeClr val="bg1"/>
+                </a:solidFill>
+                <a:latin typeface="Merriweather" panose="00000500000000000000" pitchFamily="2" charset="0"/>
+              </a:rPr>
+              <a:t>Average equivalent CO2 Emissions by Top 10 models of each algorithm</a:t>
+            </a:r>
+          </a:p>
+        </p:txBody>
+      </p:sp>
     </p:spTree>
     <p:extLst>
       <p:ext uri="{BB962C8B-B14F-4D97-AF65-F5344CB8AC3E}">
@@ -17131,7 +16808,7 @@
         <p:spPr>
           <a:xfrm>
             <a:off x="999065" y="2352675"/>
-            <a:ext cx="9802285" cy="3631763"/>
+            <a:ext cx="9802285" cy="3385542"/>
           </a:xfrm>
           <a:prstGeom prst="rect">
             <a:avLst/>
@@ -17260,17 +16937,18 @@
                 <a:latin typeface="Times New Roman" panose="02020603050405020304" pitchFamily="18" charset="0"/>
                 <a:cs typeface="Times New Roman" panose="02020603050405020304" pitchFamily="18" charset="0"/>
               </a:rPr>
-              <a:t>[3] A.M. </a:t>
+              <a:t>[3] </a:t>
             </a:r>
             <a:r>
-              <a:rPr lang="en-US" sz="1600" dirty="0" err="1">
+              <a:rPr lang="en-US" sz="1600" b="0" i="0" dirty="0">
                 <a:solidFill>
                   <a:schemeClr val="bg1"/>
                 </a:solidFill>
+                <a:effectLst/>
                 <a:latin typeface="Times New Roman" panose="02020603050405020304" pitchFamily="18" charset="0"/>
                 <a:cs typeface="Times New Roman" panose="02020603050405020304" pitchFamily="18" charset="0"/>
               </a:rPr>
-              <a:t>Hemeida</a:t>
+              <a:t>Johnson, B. A., &amp; Iizuka, K. (2016). Integrating OpenStreetMap crowdsourced data and Landsat timeseries imagery for rapid land use/land cover (LULC) mapping: Case study of the Laguna de Bay area of the Philippines. Applied Geography, 67, 140-149.</a:t>
             </a:r>
             <a:r>
               <a:rPr lang="en-US" sz="1600" dirty="0">
@@ -17280,117 +16958,34 @@
                 <a:latin typeface="Times New Roman" panose="02020603050405020304" pitchFamily="18" charset="0"/>
                 <a:cs typeface="Times New Roman" panose="02020603050405020304" pitchFamily="18" charset="0"/>
               </a:rPr>
-              <a:t>, Salem </a:t>
+              <a:t> </a:t>
             </a:r>
             <a:r>
-              <a:rPr lang="en-US" sz="1600" dirty="0" err="1">
+              <a:rPr lang="en-IN" sz="1600" b="0" i="0" u="none" strike="noStrike" dirty="0">
                 <a:solidFill>
-                  <a:schemeClr val="bg1"/>
+                  <a:srgbClr val="0C7DBB"/>
                 </a:solidFill>
+                <a:effectLst/>
                 <a:latin typeface="Times New Roman" panose="02020603050405020304" pitchFamily="18" charset="0"/>
                 <a:cs typeface="Times New Roman" panose="02020603050405020304" pitchFamily="18" charset="0"/>
+                <a:hlinkClick r:id="rId4" tooltip="Persistent link using digital object identifier"/>
               </a:rPr>
-              <a:t>Alkhalaf</a:t>
+              <a:t>https://doi.org/10.1016/j.apgeog.2015.12.006</a:t>
             </a:r>
             <a:r>
-              <a:rPr lang="en-US" sz="1600" dirty="0">
+              <a:rPr lang="en-IN" sz="1600" b="0" i="0" u="none" strike="noStrike" dirty="0">
                 <a:solidFill>
-                  <a:schemeClr val="bg1"/>
+                  <a:srgbClr val="0C7DBB"/>
                 </a:solidFill>
-                <a:latin typeface="Times New Roman" panose="02020603050405020304" pitchFamily="18" charset="0"/>
-                <a:cs typeface="Times New Roman" panose="02020603050405020304" pitchFamily="18" charset="0"/>
-              </a:rPr>
-              <a:t>, A. </a:t>
-            </a:r>
-            <a:r>
-              <a:rPr lang="en-US" sz="1600" dirty="0" err="1">
-                <a:solidFill>
-                  <a:schemeClr val="bg1"/>
-                </a:solidFill>
-                <a:latin typeface="Times New Roman" panose="02020603050405020304" pitchFamily="18" charset="0"/>
-                <a:cs typeface="Times New Roman" panose="02020603050405020304" pitchFamily="18" charset="0"/>
-              </a:rPr>
-              <a:t>Mady</a:t>
-            </a:r>
-            <a:r>
-              <a:rPr lang="en-US" sz="1600" dirty="0">
-                <a:solidFill>
-                  <a:schemeClr val="bg1"/>
-                </a:solidFill>
-                <a:latin typeface="Times New Roman" panose="02020603050405020304" pitchFamily="18" charset="0"/>
-                <a:cs typeface="Times New Roman" panose="02020603050405020304" pitchFamily="18" charset="0"/>
-              </a:rPr>
-              <a:t>, E.A. Mahmoud, M.E. Hussein, Ayman M. Baha </a:t>
-            </a:r>
-            <a:r>
-              <a:rPr lang="en-US" sz="1600" dirty="0" err="1">
-                <a:solidFill>
-                  <a:schemeClr val="bg1"/>
-                </a:solidFill>
-                <a:latin typeface="Times New Roman" panose="02020603050405020304" pitchFamily="18" charset="0"/>
-                <a:cs typeface="Times New Roman" panose="02020603050405020304" pitchFamily="18" charset="0"/>
-              </a:rPr>
-              <a:t>Eldin</a:t>
-            </a:r>
-            <a:r>
-              <a:rPr lang="en-US" sz="1600" dirty="0">
-                <a:solidFill>
-                  <a:schemeClr val="bg1"/>
-                </a:solidFill>
-                <a:latin typeface="Times New Roman" panose="02020603050405020304" pitchFamily="18" charset="0"/>
-                <a:cs typeface="Times New Roman" panose="02020603050405020304" pitchFamily="18" charset="0"/>
-              </a:rPr>
-              <a:t>,</a:t>
-            </a:r>
-          </a:p>
-          <a:p>
-            <a:r>
-              <a:rPr lang="en-US" sz="1600" dirty="0">
-                <a:solidFill>
-                  <a:schemeClr val="bg1"/>
-                </a:solidFill>
-                <a:latin typeface="Times New Roman" panose="02020603050405020304" pitchFamily="18" charset="0"/>
-                <a:cs typeface="Times New Roman" panose="02020603050405020304" pitchFamily="18" charset="0"/>
-              </a:rPr>
-              <a:t>Implementation of nature-inspired optimization algorithms in some data mining tasks,</a:t>
-            </a:r>
-          </a:p>
-          <a:p>
-            <a:r>
-              <a:rPr lang="en-US" sz="1600" dirty="0">
-                <a:solidFill>
-                  <a:schemeClr val="bg1"/>
-                </a:solidFill>
-                <a:latin typeface="Times New Roman" panose="02020603050405020304" pitchFamily="18" charset="0"/>
-                <a:cs typeface="Times New Roman" panose="02020603050405020304" pitchFamily="18" charset="0"/>
-              </a:rPr>
-              <a:t>Ain Shams Engineering Journal, Volume 11, Issue 2, 2020, Pages 309-318, ISSN 2090-4479,</a:t>
-            </a:r>
-          </a:p>
-          <a:p>
-            <a:r>
-              <a:rPr lang="en-US" sz="1600" dirty="0">
-                <a:solidFill>
-                  <a:schemeClr val="bg1"/>
-                </a:solidFill>
-                <a:latin typeface="Times New Roman" panose="02020603050405020304" pitchFamily="18" charset="0"/>
-                <a:cs typeface="Times New Roman" panose="02020603050405020304" pitchFamily="18" charset="0"/>
-                <a:hlinkClick r:id="rId4"/>
-              </a:rPr>
-              <a:t>https://doi.org/10.1016/j.asej.2019.10.003</a:t>
-            </a:r>
-            <a:r>
-              <a:rPr lang="en-US" sz="1600" dirty="0">
-                <a:solidFill>
-                  <a:schemeClr val="bg1"/>
-                </a:solidFill>
+                <a:effectLst/>
                 <a:latin typeface="Times New Roman" panose="02020603050405020304" pitchFamily="18" charset="0"/>
                 <a:cs typeface="Times New Roman" panose="02020603050405020304" pitchFamily="18" charset="0"/>
               </a:rPr>
               <a:t>.</a:t>
             </a:r>
-          </a:p>
-          <a:p>
+            <a:br>
+              <a:rPr lang="en-US" sz="1600" dirty="0"/>
+            </a:br>
             <a:endParaRPr lang="en-US" sz="1600" dirty="0">
               <a:solidFill>
                 <a:schemeClr val="bg1"/>
@@ -18315,6 +17910,24 @@
 </file>
 
 <file path=customXml/item1.xml><?xml version="1.0" encoding="utf-8"?>
+<p:properties xmlns:p="http://schemas.microsoft.com/office/2006/metadata/properties" xmlns:xsi="http://www.w3.org/2001/XMLSchema-instance" xmlns:pc="http://schemas.microsoft.com/office/infopath/2007/PartnerControls">
+  <documentManagement>
+    <Status xmlns="71af3243-3dd4-4a8d-8c0d-dd76da1f02a5">Not started</Status>
+    <MediaServiceKeyPoints xmlns="71af3243-3dd4-4a8d-8c0d-dd76da1f02a5" xsi:nil="true"/>
+  </documentManagement>
+</p:properties>
+</file>
+
+<file path=customXml/item2.xml><?xml version="1.0" encoding="utf-8"?>
+<?mso-contentType ?>
+<FormTemplates xmlns="http://schemas.microsoft.com/sharepoint/v3/contenttype/forms">
+  <Display>DocumentLibraryForm</Display>
+  <Edit>DocumentLibraryForm</Edit>
+  <New>DocumentLibraryForm</New>
+</FormTemplates>
+</file>
+
+<file path=customXml/item3.xml><?xml version="1.0" encoding="utf-8"?>
 <ct:contentTypeSchema xmlns:ct="http://schemas.microsoft.com/office/2006/metadata/contentType" xmlns:ma="http://schemas.microsoft.com/office/2006/metadata/properties/metaAttributes" ct:_="" ma:_="" ma:contentTypeName="Document" ma:contentTypeID="0x01010079F111ED35F8CC479449609E8A0923A6" ma:contentTypeVersion="12" ma:contentTypeDescription="Create a new document." ma:contentTypeScope="" ma:versionID="426e97fa315356fffbdcd9876fe988c2">
   <xsd:schema xmlns:xsd="http://www.w3.org/2001/XMLSchema" xmlns:xs="http://www.w3.org/2001/XMLSchema" xmlns:p="http://schemas.microsoft.com/office/2006/metadata/properties" xmlns:ns2="71af3243-3dd4-4a8d-8c0d-dd76da1f02a5" xmlns:ns3="16c05727-aa75-4e4a-9b5f-8a80a1165891" targetNamespace="http://schemas.microsoft.com/office/2006/metadata/properties" ma:root="true" ma:fieldsID="14b8f0def80e6d70ce3def20c90759ae" ns2:_="" ns3:_="">
     <xsd:import namespace="71af3243-3dd4-4a8d-8c0d-dd76da1f02a5"/>
@@ -18535,25 +18148,32 @@
 </ct:contentTypeSchema>
 </file>
 
-<file path=customXml/item2.xml><?xml version="1.0" encoding="utf-8"?>
-<?mso-contentType ?>
-<FormTemplates xmlns="http://schemas.microsoft.com/sharepoint/v3/contenttype/forms">
-  <Display>DocumentLibraryForm</Display>
-  <Edit>DocumentLibraryForm</Edit>
-  <New>DocumentLibraryForm</New>
-</FormTemplates>
+<file path=customXml/itemProps1.xml><?xml version="1.0" encoding="utf-8"?>
+<ds:datastoreItem xmlns:ds="http://schemas.openxmlformats.org/officeDocument/2006/customXml" ds:itemID="{09EC1AB0-9704-404D-B6D3-819D938AC55B}">
+  <ds:schemaRefs>
+    <ds:schemaRef ds:uri="http://schemas.microsoft.com/office/infopath/2007/PartnerControls"/>
+    <ds:schemaRef ds:uri="http://purl.org/dc/dcmitype/"/>
+    <ds:schemaRef ds:uri="http://purl.org/dc/elements/1.1/"/>
+    <ds:schemaRef ds:uri="http://schemas.microsoft.com/office/2006/metadata/properties"/>
+    <ds:schemaRef ds:uri="http://schemas.openxmlformats.org/package/2006/metadata/core-properties"/>
+    <ds:schemaRef ds:uri="http://schemas.microsoft.com/office/2006/documentManagement/types"/>
+    <ds:schemaRef ds:uri="http://purl.org/dc/terms/"/>
+    <ds:schemaRef ds:uri="16c05727-aa75-4e4a-9b5f-8a80a1165891"/>
+    <ds:schemaRef ds:uri="71af3243-3dd4-4a8d-8c0d-dd76da1f02a5"/>
+    <ds:schemaRef ds:uri="http://www.w3.org/XML/1998/namespace"/>
+  </ds:schemaRefs>
+</ds:datastoreItem>
 </file>
 
-<file path=customXml/item3.xml><?xml version="1.0" encoding="utf-8"?>
-<p:properties xmlns:p="http://schemas.microsoft.com/office/2006/metadata/properties" xmlns:xsi="http://www.w3.org/2001/XMLSchema-instance" xmlns:pc="http://schemas.microsoft.com/office/infopath/2007/PartnerControls">
-  <documentManagement>
-    <Status xmlns="71af3243-3dd4-4a8d-8c0d-dd76da1f02a5">Not started</Status>
-    <MediaServiceKeyPoints xmlns="71af3243-3dd4-4a8d-8c0d-dd76da1f02a5" xsi:nil="true"/>
-  </documentManagement>
-</p:properties>
+<file path=customXml/itemProps2.xml><?xml version="1.0" encoding="utf-8"?>
+<ds:datastoreItem xmlns:ds="http://schemas.openxmlformats.org/officeDocument/2006/customXml" ds:itemID="{1D20B6E4-879E-4E6C-BDE7-261540CD3765}">
+  <ds:schemaRefs>
+    <ds:schemaRef ds:uri="http://schemas.microsoft.com/sharepoint/v3/contenttype/forms"/>
+  </ds:schemaRefs>
+</ds:datastoreItem>
 </file>
 
-<file path=customXml/itemProps1.xml><?xml version="1.0" encoding="utf-8"?>
+<file path=customXml/itemProps3.xml><?xml version="1.0" encoding="utf-8"?>
 <ds:datastoreItem xmlns:ds="http://schemas.openxmlformats.org/officeDocument/2006/customXml" ds:itemID="{94F21D10-BD83-491A-AAA6-945C2DB1EB01}">
   <ds:schemaRefs>
     <ds:schemaRef ds:uri="http://schemas.microsoft.com/office/2006/metadata/contentType"/>
@@ -18570,29 +18190,4 @@
     <ds:schemaRef ds:uri="http://schemas.microsoft.com/internal/obd"/>
   </ds:schemaRefs>
 </ds:datastoreItem>
-</file>
-
-<file path=customXml/itemProps2.xml><?xml version="1.0" encoding="utf-8"?>
-<ds:datastoreItem xmlns:ds="http://schemas.openxmlformats.org/officeDocument/2006/customXml" ds:itemID="{1D20B6E4-879E-4E6C-BDE7-261540CD3765}">
-  <ds:schemaRefs>
-    <ds:schemaRef ds:uri="http://schemas.microsoft.com/sharepoint/v3/contenttype/forms"/>
-  </ds:schemaRefs>
-</ds:datastoreItem>
-</file>
-
-<file path=customXml/itemProps3.xml><?xml version="1.0" encoding="utf-8"?>
-<ds:datastoreItem xmlns:ds="http://schemas.openxmlformats.org/officeDocument/2006/customXml" ds:itemID="{09EC1AB0-9704-404D-B6D3-819D938AC55B}">
-  <ds:schemaRefs>
-    <ds:schemaRef ds:uri="16c05727-aa75-4e4a-9b5f-8a80a1165891"/>
-    <ds:schemaRef ds:uri="http://purl.org/dc/dcmitype/"/>
-    <ds:schemaRef ds:uri="http://schemas.microsoft.com/office/infopath/2007/PartnerControls"/>
-    <ds:schemaRef ds:uri="http://purl.org/dc/elements/1.1/"/>
-    <ds:schemaRef ds:uri="http://schemas.microsoft.com/office/2006/metadata/properties"/>
-    <ds:schemaRef ds:uri="http://schemas.microsoft.com/office/2006/documentManagement/types"/>
-    <ds:schemaRef ds:uri="http://purl.org/dc/terms/"/>
-    <ds:schemaRef ds:uri="http://schemas.openxmlformats.org/package/2006/metadata/core-properties"/>
-    <ds:schemaRef ds:uri="71af3243-3dd4-4a8d-8c0d-dd76da1f02a5"/>
-    <ds:schemaRef ds:uri="http://www.w3.org/XML/1998/namespace"/>
-  </ds:schemaRefs>
-</ds:datastoreItem>
 </file>